--- a/book/figures/states.pptx
+++ b/book/figures/states.pptx
@@ -197,7 +197,7 @@
           <a:p>
             <a:fld id="{CA6D6662-2E78-E749-AC74-8B6293A2273E}" type="datetimeFigureOut">
               <a:rPr lang="en-US" smtClean="0"/>
-              <a:t>6/15/20</a:t>
+              <a:t>6/19/20</a:t>
             </a:fld>
             <a:endParaRPr lang="en-US"/>
           </a:p>
@@ -695,7 +695,7 @@
           <a:p>
             <a:fld id="{04834100-F070-AD4C-B025-37E5903F439D}" type="datetimeFigureOut">
               <a:rPr lang="en-US" smtClean="0"/>
-              <a:t>6/15/20</a:t>
+              <a:t>6/19/20</a:t>
             </a:fld>
             <a:endParaRPr lang="en-US"/>
           </a:p>
@@ -893,7 +893,7 @@
           <a:p>
             <a:fld id="{04834100-F070-AD4C-B025-37E5903F439D}" type="datetimeFigureOut">
               <a:rPr lang="en-US" smtClean="0"/>
-              <a:t>6/15/20</a:t>
+              <a:t>6/19/20</a:t>
             </a:fld>
             <a:endParaRPr lang="en-US"/>
           </a:p>
@@ -1101,7 +1101,7 @@
           <a:p>
             <a:fld id="{04834100-F070-AD4C-B025-37E5903F439D}" type="datetimeFigureOut">
               <a:rPr lang="en-US" smtClean="0"/>
-              <a:t>6/15/20</a:t>
+              <a:t>6/19/20</a:t>
             </a:fld>
             <a:endParaRPr lang="en-US"/>
           </a:p>
@@ -1299,7 +1299,7 @@
           <a:p>
             <a:fld id="{04834100-F070-AD4C-B025-37E5903F439D}" type="datetimeFigureOut">
               <a:rPr lang="en-US" smtClean="0"/>
-              <a:t>6/15/20</a:t>
+              <a:t>6/19/20</a:t>
             </a:fld>
             <a:endParaRPr lang="en-US"/>
           </a:p>
@@ -1574,7 +1574,7 @@
           <a:p>
             <a:fld id="{04834100-F070-AD4C-B025-37E5903F439D}" type="datetimeFigureOut">
               <a:rPr lang="en-US" smtClean="0"/>
-              <a:t>6/15/20</a:t>
+              <a:t>6/19/20</a:t>
             </a:fld>
             <a:endParaRPr lang="en-US"/>
           </a:p>
@@ -1839,7 +1839,7 @@
           <a:p>
             <a:fld id="{04834100-F070-AD4C-B025-37E5903F439D}" type="datetimeFigureOut">
               <a:rPr lang="en-US" smtClean="0"/>
-              <a:t>6/15/20</a:t>
+              <a:t>6/19/20</a:t>
             </a:fld>
             <a:endParaRPr lang="en-US"/>
           </a:p>
@@ -2251,7 +2251,7 @@
           <a:p>
             <a:fld id="{04834100-F070-AD4C-B025-37E5903F439D}" type="datetimeFigureOut">
               <a:rPr lang="en-US" smtClean="0"/>
-              <a:t>6/15/20</a:t>
+              <a:t>6/19/20</a:t>
             </a:fld>
             <a:endParaRPr lang="en-US"/>
           </a:p>
@@ -2397,7 +2397,7 @@
           <a:p>
             <a:fld id="{04834100-F070-AD4C-B025-37E5903F439D}" type="datetimeFigureOut">
               <a:rPr lang="en-US" smtClean="0"/>
-              <a:t>6/15/20</a:t>
+              <a:t>6/19/20</a:t>
             </a:fld>
             <a:endParaRPr lang="en-US"/>
           </a:p>
@@ -2510,7 +2510,7 @@
           <a:p>
             <a:fld id="{04834100-F070-AD4C-B025-37E5903F439D}" type="datetimeFigureOut">
               <a:rPr lang="en-US" smtClean="0"/>
-              <a:t>6/15/20</a:t>
+              <a:t>6/19/20</a:t>
             </a:fld>
             <a:endParaRPr lang="en-US"/>
           </a:p>
@@ -2821,7 +2821,7 @@
           <a:p>
             <a:fld id="{04834100-F070-AD4C-B025-37E5903F439D}" type="datetimeFigureOut">
               <a:rPr lang="en-US" smtClean="0"/>
-              <a:t>6/15/20</a:t>
+              <a:t>6/19/20</a:t>
             </a:fld>
             <a:endParaRPr lang="en-US"/>
           </a:p>
@@ -3109,7 +3109,7 @@
           <a:p>
             <a:fld id="{04834100-F070-AD4C-B025-37E5903F439D}" type="datetimeFigureOut">
               <a:rPr lang="en-US" smtClean="0"/>
-              <a:t>6/15/20</a:t>
+              <a:t>6/19/20</a:t>
             </a:fld>
             <a:endParaRPr lang="en-US"/>
           </a:p>
@@ -3350,7 +3350,7 @@
           <a:p>
             <a:fld id="{04834100-F070-AD4C-B025-37E5903F439D}" type="datetimeFigureOut">
               <a:rPr lang="en-US" smtClean="0"/>
-              <a:t>6/15/20</a:t>
+              <a:t>6/19/20</a:t>
             </a:fld>
             <a:endParaRPr lang="en-US"/>
           </a:p>
@@ -3769,10 +3769,10 @@
       </p:grpSpPr>
       <p:sp>
         <p:nvSpPr>
-          <p:cNvPr id="5" name="Oval 4">
-            <a:extLst>
-              <a:ext uri="{FF2B5EF4-FFF2-40B4-BE49-F238E27FC236}">
-                <a16:creationId xmlns:a16="http://schemas.microsoft.com/office/drawing/2014/main" id="{CE9F360D-D0C4-1A43-8FF2-4E5A1E416246}"/>
+          <p:cNvPr id="6" name="Oval 5">
+            <a:extLst>
+              <a:ext uri="{FF2B5EF4-FFF2-40B4-BE49-F238E27FC236}">
+                <a16:creationId xmlns:a16="http://schemas.microsoft.com/office/drawing/2014/main" id="{79E90B8C-42F5-2640-BBB9-CFE926BED1E6}"/>
               </a:ext>
             </a:extLst>
           </p:cNvPr>
@@ -3781,59 +3781,8 @@
         </p:nvSpPr>
         <p:spPr>
           <a:xfrm>
-            <a:off x="967563" y="1254643"/>
-            <a:ext cx="5518297" cy="3349255"/>
-          </a:xfrm>
-          <a:prstGeom prst="ellipse">
-            <a:avLst/>
-          </a:prstGeom>
-          <a:noFill/>
-        </p:spPr>
-        <p:style>
-          <a:lnRef idx="2">
-            <a:schemeClr val="accent1">
-              <a:shade val="50000"/>
-            </a:schemeClr>
-          </a:lnRef>
-          <a:fillRef idx="1">
-            <a:schemeClr val="accent1"/>
-          </a:fillRef>
-          <a:effectRef idx="0">
-            <a:schemeClr val="accent1"/>
-          </a:effectRef>
-          <a:fontRef idx="minor">
-            <a:schemeClr val="lt1"/>
-          </a:fontRef>
-        </p:style>
-        <p:txBody>
-          <a:bodyPr rtlCol="0" anchor="ctr"/>
-          <a:lstStyle/>
-          <a:p>
-            <a:pPr algn="ctr"/>
-            <a:endParaRPr lang="en-US" dirty="0">
-              <a:solidFill>
-                <a:schemeClr val="tx1"/>
-              </a:solidFill>
-            </a:endParaRPr>
-          </a:p>
-        </p:txBody>
-      </p:sp>
-      <p:sp>
-        <p:nvSpPr>
-          <p:cNvPr id="6" name="Oval 5">
-            <a:extLst>
-              <a:ext uri="{FF2B5EF4-FFF2-40B4-BE49-F238E27FC236}">
-                <a16:creationId xmlns:a16="http://schemas.microsoft.com/office/drawing/2014/main" id="{79E90B8C-42F5-2640-BBB9-CFE926BED1E6}"/>
-              </a:ext>
-            </a:extLst>
-          </p:cNvPr>
-          <p:cNvSpPr/>
-          <p:nvPr/>
-        </p:nvSpPr>
-        <p:spPr>
-          <a:xfrm>
-            <a:off x="1268819" y="1786271"/>
-            <a:ext cx="3186224" cy="2307265"/>
+            <a:off x="7152169" y="2655077"/>
+            <a:ext cx="4097078" cy="3352318"/>
           </a:xfrm>
           <a:prstGeom prst="ellipse">
             <a:avLst/>
@@ -4008,136 +3957,43 @@
       </p:sp>
       <p:sp>
         <p:nvSpPr>
-          <p:cNvPr id="12" name="Rectangle 11">
-            <a:extLst>
-              <a:ext uri="{FF2B5EF4-FFF2-40B4-BE49-F238E27FC236}">
-                <a16:creationId xmlns:a16="http://schemas.microsoft.com/office/drawing/2014/main" id="{A064B363-EA59-D142-B9AD-20C9B07A3903}"/>
-              </a:ext>
-            </a:extLst>
-          </p:cNvPr>
-          <p:cNvSpPr/>
+          <p:cNvPr id="14" name="TextBox 13">
+            <a:extLst>
+              <a:ext uri="{FF2B5EF4-FFF2-40B4-BE49-F238E27FC236}">
+                <a16:creationId xmlns:a16="http://schemas.microsoft.com/office/drawing/2014/main" id="{6AAFF98B-E604-0543-8320-297A4F78E414}"/>
+              </a:ext>
+            </a:extLst>
+          </p:cNvPr>
+          <p:cNvSpPr txBox="1"/>
           <p:nvPr/>
         </p:nvSpPr>
         <p:spPr>
           <a:xfrm>
-            <a:off x="744279" y="542260"/>
-            <a:ext cx="6007395" cy="4338085"/>
+            <a:off x="1975864" y="541455"/>
+            <a:ext cx="3399137" cy="646331"/>
           </a:xfrm>
           <a:prstGeom prst="rect">
             <a:avLst/>
           </a:prstGeom>
           <a:noFill/>
         </p:spPr>
-        <p:style>
-          <a:lnRef idx="2">
-            <a:schemeClr val="accent1">
-              <a:shade val="50000"/>
-            </a:schemeClr>
-          </a:lnRef>
-          <a:fillRef idx="1">
-            <a:schemeClr val="accent1"/>
-          </a:fillRef>
-          <a:effectRef idx="0">
-            <a:schemeClr val="accent1"/>
-          </a:effectRef>
-          <a:fontRef idx="minor">
-            <a:schemeClr val="lt1"/>
-          </a:fontRef>
-        </p:style>
-        <p:txBody>
-          <a:bodyPr rtlCol="0" anchor="ctr"/>
-          <a:lstStyle/>
-          <a:p>
-            <a:pPr algn="ctr"/>
-            <a:endParaRPr lang="en-US"/>
-          </a:p>
-        </p:txBody>
-      </p:sp>
-      <p:sp>
-        <p:nvSpPr>
-          <p:cNvPr id="13" name="Rectangle 12">
-            <a:extLst>
-              <a:ext uri="{FF2B5EF4-FFF2-40B4-BE49-F238E27FC236}">
-                <a16:creationId xmlns:a16="http://schemas.microsoft.com/office/drawing/2014/main" id="{BE2AA2AB-74A5-0F44-BC47-9516DC7003A6}"/>
-              </a:ext>
-            </a:extLst>
-          </p:cNvPr>
-          <p:cNvSpPr/>
-          <p:nvPr/>
-        </p:nvSpPr>
-        <p:spPr>
-          <a:xfrm>
-            <a:off x="744279" y="4880346"/>
-            <a:ext cx="6007395" cy="1092664"/>
-          </a:xfrm>
-          <a:prstGeom prst="rect">
-            <a:avLst/>
-          </a:prstGeom>
-          <a:noFill/>
-        </p:spPr>
-        <p:style>
-          <a:lnRef idx="2">
-            <a:schemeClr val="accent1">
-              <a:shade val="50000"/>
-            </a:schemeClr>
-          </a:lnRef>
-          <a:fillRef idx="1">
-            <a:schemeClr val="accent1"/>
-          </a:fillRef>
-          <a:effectRef idx="0">
-            <a:schemeClr val="accent1"/>
-          </a:effectRef>
-          <a:fontRef idx="minor">
-            <a:schemeClr val="lt1"/>
-          </a:fontRef>
-        </p:style>
-        <p:txBody>
-          <a:bodyPr rtlCol="0" anchor="ctr"/>
-          <a:lstStyle/>
-          <a:p>
-            <a:pPr algn="ctr"/>
-            <a:r>
-              <a:rPr lang="en-US" dirty="0">
-                <a:solidFill>
-                  <a:schemeClr val="tx1"/>
-                </a:solidFill>
-              </a:rPr>
-              <a:t>States with multiple processes in the critical section</a:t>
-            </a:r>
-          </a:p>
-        </p:txBody>
-      </p:sp>
-      <p:sp>
-        <p:nvSpPr>
-          <p:cNvPr id="14" name="TextBox 13">
-            <a:extLst>
-              <a:ext uri="{FF2B5EF4-FFF2-40B4-BE49-F238E27FC236}">
-                <a16:creationId xmlns:a16="http://schemas.microsoft.com/office/drawing/2014/main" id="{6AAFF98B-E604-0543-8320-297A4F78E414}"/>
-              </a:ext>
-            </a:extLst>
-          </p:cNvPr>
-          <p:cNvSpPr txBox="1"/>
-          <p:nvPr/>
-        </p:nvSpPr>
-        <p:spPr>
-          <a:xfrm>
-            <a:off x="1268819" y="711806"/>
-            <a:ext cx="5158656" cy="369332"/>
-          </a:xfrm>
-          <a:prstGeom prst="rect">
-            <a:avLst/>
-          </a:prstGeom>
-          <a:noFill/>
-        </p:spPr>
         <p:txBody>
           <a:bodyPr wrap="none" rtlCol="0">
             <a:spAutoFit/>
           </a:bodyPr>
           <a:lstStyle/>
           <a:p>
+            <a:pPr algn="ctr"/>
             <a:r>
               <a:rPr lang="en-US" dirty="0"/>
-              <a:t>States with at most one process in the critical section</a:t>
+              <a:t>States with at most one process</a:t>
+            </a:r>
+          </a:p>
+          <a:p>
+            <a:pPr algn="ctr"/>
+            <a:r>
+              <a:rPr lang="en-US" dirty="0"/>
+              <a:t>in the critical section (good states)</a:t>
             </a:r>
           </a:p>
         </p:txBody>
@@ -4204,54 +4060,6 @@
               </a:rPr>
               <a:t>states</a:t>
             </a:r>
-          </a:p>
-        </p:txBody>
-      </p:sp>
-      <p:sp>
-        <p:nvSpPr>
-          <p:cNvPr id="16" name="Rectangle 15">
-            <a:extLst>
-              <a:ext uri="{FF2B5EF4-FFF2-40B4-BE49-F238E27FC236}">
-                <a16:creationId xmlns:a16="http://schemas.microsoft.com/office/drawing/2014/main" id="{E0AACFA9-A9AA-3A4B-A670-0F3DD65DCC65}"/>
-              </a:ext>
-            </a:extLst>
-          </p:cNvPr>
-          <p:cNvSpPr/>
-          <p:nvPr/>
-        </p:nvSpPr>
-        <p:spPr>
-          <a:xfrm>
-            <a:off x="744279" y="542260"/>
-            <a:ext cx="6007395" cy="5454503"/>
-          </a:xfrm>
-          <a:prstGeom prst="rect">
-            <a:avLst/>
-          </a:prstGeom>
-          <a:noFill/>
-          <a:ln w="57150"/>
-        </p:spPr>
-        <p:style>
-          <a:lnRef idx="2">
-            <a:schemeClr val="accent1">
-              <a:shade val="50000"/>
-            </a:schemeClr>
-          </a:lnRef>
-          <a:fillRef idx="1">
-            <a:schemeClr val="accent1"/>
-          </a:fillRef>
-          <a:effectRef idx="0">
-            <a:schemeClr val="accent1"/>
-          </a:effectRef>
-          <a:fontRef idx="minor">
-            <a:schemeClr val="lt1"/>
-          </a:fontRef>
-        </p:style>
-        <p:txBody>
-          <a:bodyPr rtlCol="0" anchor="ctr"/>
-          <a:lstStyle/>
-          <a:p>
-            <a:pPr algn="ctr"/>
-            <a:endParaRPr lang="en-US"/>
           </a:p>
         </p:txBody>
       </p:sp>
@@ -4380,6 +4188,209 @@
           <a:p>
             <a:pPr algn="ctr"/>
             <a:endParaRPr lang="en-US" dirty="0"/>
+          </a:p>
+        </p:txBody>
+      </p:sp>
+      <p:sp>
+        <p:nvSpPr>
+          <p:cNvPr id="18" name="Oval 17">
+            <a:extLst>
+              <a:ext uri="{FF2B5EF4-FFF2-40B4-BE49-F238E27FC236}">
+                <a16:creationId xmlns:a16="http://schemas.microsoft.com/office/drawing/2014/main" id="{658F4A1E-12FA-6F47-8519-605D24292946}"/>
+              </a:ext>
+            </a:extLst>
+          </p:cNvPr>
+          <p:cNvSpPr/>
+          <p:nvPr/>
+        </p:nvSpPr>
+        <p:spPr>
+          <a:xfrm>
+            <a:off x="233917" y="159489"/>
+            <a:ext cx="6964326" cy="4731488"/>
+          </a:xfrm>
+          <a:prstGeom prst="ellipse">
+            <a:avLst/>
+          </a:prstGeom>
+          <a:noFill/>
+        </p:spPr>
+        <p:style>
+          <a:lnRef idx="2">
+            <a:schemeClr val="accent1">
+              <a:shade val="50000"/>
+            </a:schemeClr>
+          </a:lnRef>
+          <a:fillRef idx="1">
+            <a:schemeClr val="accent1"/>
+          </a:fillRef>
+          <a:effectRef idx="0">
+            <a:schemeClr val="accent1"/>
+          </a:effectRef>
+          <a:fontRef idx="minor">
+            <a:schemeClr val="lt1"/>
+          </a:fontRef>
+        </p:style>
+        <p:txBody>
+          <a:bodyPr rtlCol="0" anchor="ctr"/>
+          <a:lstStyle/>
+          <a:p>
+            <a:pPr algn="ctr"/>
+            <a:endParaRPr lang="en-US" dirty="0">
+              <a:solidFill>
+                <a:schemeClr val="tx1"/>
+              </a:solidFill>
+            </a:endParaRPr>
+          </a:p>
+        </p:txBody>
+      </p:sp>
+      <p:sp>
+        <p:nvSpPr>
+          <p:cNvPr id="19" name="TextBox 18">
+            <a:extLst>
+              <a:ext uri="{FF2B5EF4-FFF2-40B4-BE49-F238E27FC236}">
+                <a16:creationId xmlns:a16="http://schemas.microsoft.com/office/drawing/2014/main" id="{EADCC003-5DFE-0E49-9574-E9AEFF85E43D}"/>
+              </a:ext>
+            </a:extLst>
+          </p:cNvPr>
+          <p:cNvSpPr txBox="1"/>
+          <p:nvPr/>
+        </p:nvSpPr>
+        <p:spPr>
+          <a:xfrm>
+            <a:off x="8066570" y="4008070"/>
+            <a:ext cx="2607957" cy="923330"/>
+          </a:xfrm>
+          <a:prstGeom prst="rect">
+            <a:avLst/>
+          </a:prstGeom>
+          <a:noFill/>
+        </p:spPr>
+        <p:txBody>
+          <a:bodyPr wrap="none" rtlCol="0">
+            <a:spAutoFit/>
+          </a:bodyPr>
+          <a:lstStyle/>
+          <a:p>
+            <a:pPr algn="ctr"/>
+            <a:r>
+              <a:rPr lang="en-US" dirty="0"/>
+              <a:t>States with two processes</a:t>
+            </a:r>
+          </a:p>
+          <a:p>
+            <a:pPr algn="ctr"/>
+            <a:r>
+              <a:rPr lang="en-US" dirty="0"/>
+              <a:t>in the critical section</a:t>
+            </a:r>
+          </a:p>
+          <a:p>
+            <a:pPr algn="ctr"/>
+            <a:r>
+              <a:rPr lang="en-US" dirty="0"/>
+              <a:t>(bad states)</a:t>
+            </a:r>
+          </a:p>
+        </p:txBody>
+      </p:sp>
+      <p:sp>
+        <p:nvSpPr>
+          <p:cNvPr id="20" name="Oval 19">
+            <a:extLst>
+              <a:ext uri="{FF2B5EF4-FFF2-40B4-BE49-F238E27FC236}">
+                <a16:creationId xmlns:a16="http://schemas.microsoft.com/office/drawing/2014/main" id="{EFE36FC7-6164-3A49-9D79-93AD88F4BFFB}"/>
+              </a:ext>
+            </a:extLst>
+          </p:cNvPr>
+          <p:cNvSpPr/>
+          <p:nvPr/>
+        </p:nvSpPr>
+        <p:spPr>
+          <a:xfrm>
+            <a:off x="1123508" y="1754372"/>
+            <a:ext cx="3453805" cy="2413590"/>
+          </a:xfrm>
+          <a:prstGeom prst="ellipse">
+            <a:avLst/>
+          </a:prstGeom>
+          <a:noFill/>
+        </p:spPr>
+        <p:style>
+          <a:lnRef idx="2">
+            <a:schemeClr val="accent1">
+              <a:shade val="50000"/>
+            </a:schemeClr>
+          </a:lnRef>
+          <a:fillRef idx="1">
+            <a:schemeClr val="accent1"/>
+          </a:fillRef>
+          <a:effectRef idx="0">
+            <a:schemeClr val="accent1"/>
+          </a:effectRef>
+          <a:fontRef idx="minor">
+            <a:schemeClr val="lt1"/>
+          </a:fontRef>
+        </p:style>
+        <p:txBody>
+          <a:bodyPr rtlCol="0" anchor="ctr"/>
+          <a:lstStyle/>
+          <a:p>
+            <a:pPr algn="ctr"/>
+            <a:endParaRPr lang="en-US" dirty="0">
+              <a:solidFill>
+                <a:schemeClr val="tx1"/>
+              </a:solidFill>
+            </a:endParaRPr>
+          </a:p>
+        </p:txBody>
+      </p:sp>
+      <p:sp>
+        <p:nvSpPr>
+          <p:cNvPr id="21" name="Oval 20">
+            <a:extLst>
+              <a:ext uri="{FF2B5EF4-FFF2-40B4-BE49-F238E27FC236}">
+                <a16:creationId xmlns:a16="http://schemas.microsoft.com/office/drawing/2014/main" id="{412BE2A1-1886-3141-BF96-FB18FA509A61}"/>
+              </a:ext>
+            </a:extLst>
+          </p:cNvPr>
+          <p:cNvSpPr/>
+          <p:nvPr/>
+        </p:nvSpPr>
+        <p:spPr>
+          <a:xfrm>
+            <a:off x="762001" y="1371600"/>
+            <a:ext cx="5815447" cy="3157870"/>
+          </a:xfrm>
+          <a:prstGeom prst="ellipse">
+            <a:avLst/>
+          </a:prstGeom>
+          <a:noFill/>
+        </p:spPr>
+        <p:style>
+          <a:lnRef idx="2">
+            <a:schemeClr val="accent1">
+              <a:shade val="50000"/>
+            </a:schemeClr>
+          </a:lnRef>
+          <a:fillRef idx="1">
+            <a:schemeClr val="accent1"/>
+          </a:fillRef>
+          <a:effectRef idx="0">
+            <a:schemeClr val="accent1"/>
+          </a:effectRef>
+          <a:fontRef idx="minor">
+            <a:schemeClr val="lt1"/>
+          </a:fontRef>
+        </p:style>
+        <p:txBody>
+          <a:bodyPr rtlCol="0" anchor="ctr"/>
+          <a:lstStyle/>
+          <a:p>
+            <a:pPr algn="ctr"/>
+            <a:endParaRPr lang="en-US" dirty="0">
+              <a:solidFill>
+                <a:schemeClr val="tx1"/>
+              </a:solidFill>
+            </a:endParaRPr>
           </a:p>
         </p:txBody>
       </p:sp>

--- a/book/figures/states.pptx
+++ b/book/figures/states.pptx
@@ -3914,7 +3914,7 @@
             <a:pPr algn="ctr"/>
             <a:r>
               <a:rPr lang="en-US" dirty="0"/>
-              <a:t>Reachable States</a:t>
+              <a:t>Reachable states</a:t>
             </a:r>
           </a:p>
         </p:txBody>

--- a/book/figures/states.pptx
+++ b/book/figures/states.pptx
@@ -197,7 +197,7 @@
           <a:p>
             <a:fld id="{CA6D6662-2E78-E749-AC74-8B6293A2273E}" type="datetimeFigureOut">
               <a:rPr lang="en-US" smtClean="0"/>
-              <a:t>6/19/20</a:t>
+              <a:t>12/26/20</a:t>
             </a:fld>
             <a:endParaRPr lang="en-US"/>
           </a:p>
@@ -695,7 +695,7 @@
           <a:p>
             <a:fld id="{04834100-F070-AD4C-B025-37E5903F439D}" type="datetimeFigureOut">
               <a:rPr lang="en-US" smtClean="0"/>
-              <a:t>6/19/20</a:t>
+              <a:t>12/26/20</a:t>
             </a:fld>
             <a:endParaRPr lang="en-US"/>
           </a:p>
@@ -893,7 +893,7 @@
           <a:p>
             <a:fld id="{04834100-F070-AD4C-B025-37E5903F439D}" type="datetimeFigureOut">
               <a:rPr lang="en-US" smtClean="0"/>
-              <a:t>6/19/20</a:t>
+              <a:t>12/26/20</a:t>
             </a:fld>
             <a:endParaRPr lang="en-US"/>
           </a:p>
@@ -1101,7 +1101,7 @@
           <a:p>
             <a:fld id="{04834100-F070-AD4C-B025-37E5903F439D}" type="datetimeFigureOut">
               <a:rPr lang="en-US" smtClean="0"/>
-              <a:t>6/19/20</a:t>
+              <a:t>12/26/20</a:t>
             </a:fld>
             <a:endParaRPr lang="en-US"/>
           </a:p>
@@ -1299,7 +1299,7 @@
           <a:p>
             <a:fld id="{04834100-F070-AD4C-B025-37E5903F439D}" type="datetimeFigureOut">
               <a:rPr lang="en-US" smtClean="0"/>
-              <a:t>6/19/20</a:t>
+              <a:t>12/26/20</a:t>
             </a:fld>
             <a:endParaRPr lang="en-US"/>
           </a:p>
@@ -1574,7 +1574,7 @@
           <a:p>
             <a:fld id="{04834100-F070-AD4C-B025-37E5903F439D}" type="datetimeFigureOut">
               <a:rPr lang="en-US" smtClean="0"/>
-              <a:t>6/19/20</a:t>
+              <a:t>12/26/20</a:t>
             </a:fld>
             <a:endParaRPr lang="en-US"/>
           </a:p>
@@ -1839,7 +1839,7 @@
           <a:p>
             <a:fld id="{04834100-F070-AD4C-B025-37E5903F439D}" type="datetimeFigureOut">
               <a:rPr lang="en-US" smtClean="0"/>
-              <a:t>6/19/20</a:t>
+              <a:t>12/26/20</a:t>
             </a:fld>
             <a:endParaRPr lang="en-US"/>
           </a:p>
@@ -2251,7 +2251,7 @@
           <a:p>
             <a:fld id="{04834100-F070-AD4C-B025-37E5903F439D}" type="datetimeFigureOut">
               <a:rPr lang="en-US" smtClean="0"/>
-              <a:t>6/19/20</a:t>
+              <a:t>12/26/20</a:t>
             </a:fld>
             <a:endParaRPr lang="en-US"/>
           </a:p>
@@ -2397,7 +2397,7 @@
           <a:p>
             <a:fld id="{04834100-F070-AD4C-B025-37E5903F439D}" type="datetimeFigureOut">
               <a:rPr lang="en-US" smtClean="0"/>
-              <a:t>6/19/20</a:t>
+              <a:t>12/26/20</a:t>
             </a:fld>
             <a:endParaRPr lang="en-US"/>
           </a:p>
@@ -2510,7 +2510,7 @@
           <a:p>
             <a:fld id="{04834100-F070-AD4C-B025-37E5903F439D}" type="datetimeFigureOut">
               <a:rPr lang="en-US" smtClean="0"/>
-              <a:t>6/19/20</a:t>
+              <a:t>12/26/20</a:t>
             </a:fld>
             <a:endParaRPr lang="en-US"/>
           </a:p>
@@ -2821,7 +2821,7 @@
           <a:p>
             <a:fld id="{04834100-F070-AD4C-B025-37E5903F439D}" type="datetimeFigureOut">
               <a:rPr lang="en-US" smtClean="0"/>
-              <a:t>6/19/20</a:t>
+              <a:t>12/26/20</a:t>
             </a:fld>
             <a:endParaRPr lang="en-US"/>
           </a:p>
@@ -3109,7 +3109,7 @@
           <a:p>
             <a:fld id="{04834100-F070-AD4C-B025-37E5903F439D}" type="datetimeFigureOut">
               <a:rPr lang="en-US" smtClean="0"/>
-              <a:t>6/19/20</a:t>
+              <a:t>12/26/20</a:t>
             </a:fld>
             <a:endParaRPr lang="en-US"/>
           </a:p>
@@ -3350,7 +3350,7 @@
           <a:p>
             <a:fld id="{04834100-F070-AD4C-B025-37E5903F439D}" type="datetimeFigureOut">
               <a:rPr lang="en-US" smtClean="0"/>
-              <a:t>6/19/20</a:t>
+              <a:t>12/26/20</a:t>
             </a:fld>
             <a:endParaRPr lang="en-US"/>
           </a:p>
@@ -3986,8 +3986,13 @@
             <a:pPr algn="ctr"/>
             <a:r>
               <a:rPr lang="en-US" dirty="0"/>
-              <a:t>States with at most one process</a:t>
-            </a:r>
+              <a:t>States with at most </a:t>
+            </a:r>
+            <a:r>
+              <a:rPr lang="en-US"/>
+              <a:t>one thread</a:t>
+            </a:r>
+            <a:endParaRPr lang="en-US" dirty="0"/>
           </a:p>
           <a:p>
             <a:pPr algn="ctr"/>
@@ -4256,8 +4261,8 @@
         </p:nvSpPr>
         <p:spPr>
           <a:xfrm>
-            <a:off x="8066570" y="4008070"/>
-            <a:ext cx="2607957" cy="923330"/>
+            <a:off x="8168809" y="4008070"/>
+            <a:ext cx="2403479" cy="923330"/>
           </a:xfrm>
           <a:prstGeom prst="rect">
             <a:avLst/>
@@ -4273,7 +4278,7 @@
             <a:pPr algn="ctr"/>
             <a:r>
               <a:rPr lang="en-US" dirty="0"/>
-              <a:t>States with two processes</a:t>
+              <a:t>States with two threads</a:t>
             </a:r>
           </a:p>
           <a:p>

--- a/book/figures/states.pptx
+++ b/book/figures/states.pptx
@@ -197,7 +197,7 @@
           <a:p>
             <a:fld id="{CA6D6662-2E78-E749-AC74-8B6293A2273E}" type="datetimeFigureOut">
               <a:rPr lang="en-US" smtClean="0"/>
-              <a:t>12/26/20</a:t>
+              <a:t>12/23/21</a:t>
             </a:fld>
             <a:endParaRPr lang="en-US"/>
           </a:p>
@@ -695,7 +695,7 @@
           <a:p>
             <a:fld id="{04834100-F070-AD4C-B025-37E5903F439D}" type="datetimeFigureOut">
               <a:rPr lang="en-US" smtClean="0"/>
-              <a:t>12/26/20</a:t>
+              <a:t>12/23/21</a:t>
             </a:fld>
             <a:endParaRPr lang="en-US"/>
           </a:p>
@@ -893,7 +893,7 @@
           <a:p>
             <a:fld id="{04834100-F070-AD4C-B025-37E5903F439D}" type="datetimeFigureOut">
               <a:rPr lang="en-US" smtClean="0"/>
-              <a:t>12/26/20</a:t>
+              <a:t>12/23/21</a:t>
             </a:fld>
             <a:endParaRPr lang="en-US"/>
           </a:p>
@@ -1101,7 +1101,7 @@
           <a:p>
             <a:fld id="{04834100-F070-AD4C-B025-37E5903F439D}" type="datetimeFigureOut">
               <a:rPr lang="en-US" smtClean="0"/>
-              <a:t>12/26/20</a:t>
+              <a:t>12/23/21</a:t>
             </a:fld>
             <a:endParaRPr lang="en-US"/>
           </a:p>
@@ -1299,7 +1299,7 @@
           <a:p>
             <a:fld id="{04834100-F070-AD4C-B025-37E5903F439D}" type="datetimeFigureOut">
               <a:rPr lang="en-US" smtClean="0"/>
-              <a:t>12/26/20</a:t>
+              <a:t>12/23/21</a:t>
             </a:fld>
             <a:endParaRPr lang="en-US"/>
           </a:p>
@@ -1574,7 +1574,7 @@
           <a:p>
             <a:fld id="{04834100-F070-AD4C-B025-37E5903F439D}" type="datetimeFigureOut">
               <a:rPr lang="en-US" smtClean="0"/>
-              <a:t>12/26/20</a:t>
+              <a:t>12/23/21</a:t>
             </a:fld>
             <a:endParaRPr lang="en-US"/>
           </a:p>
@@ -1839,7 +1839,7 @@
           <a:p>
             <a:fld id="{04834100-F070-AD4C-B025-37E5903F439D}" type="datetimeFigureOut">
               <a:rPr lang="en-US" smtClean="0"/>
-              <a:t>12/26/20</a:t>
+              <a:t>12/23/21</a:t>
             </a:fld>
             <a:endParaRPr lang="en-US"/>
           </a:p>
@@ -2251,7 +2251,7 @@
           <a:p>
             <a:fld id="{04834100-F070-AD4C-B025-37E5903F439D}" type="datetimeFigureOut">
               <a:rPr lang="en-US" smtClean="0"/>
-              <a:t>12/26/20</a:t>
+              <a:t>12/23/21</a:t>
             </a:fld>
             <a:endParaRPr lang="en-US"/>
           </a:p>
@@ -2397,7 +2397,7 @@
           <a:p>
             <a:fld id="{04834100-F070-AD4C-B025-37E5903F439D}" type="datetimeFigureOut">
               <a:rPr lang="en-US" smtClean="0"/>
-              <a:t>12/26/20</a:t>
+              <a:t>12/23/21</a:t>
             </a:fld>
             <a:endParaRPr lang="en-US"/>
           </a:p>
@@ -2510,7 +2510,7 @@
           <a:p>
             <a:fld id="{04834100-F070-AD4C-B025-37E5903F439D}" type="datetimeFigureOut">
               <a:rPr lang="en-US" smtClean="0"/>
-              <a:t>12/26/20</a:t>
+              <a:t>12/23/21</a:t>
             </a:fld>
             <a:endParaRPr lang="en-US"/>
           </a:p>
@@ -2821,7 +2821,7 @@
           <a:p>
             <a:fld id="{04834100-F070-AD4C-B025-37E5903F439D}" type="datetimeFigureOut">
               <a:rPr lang="en-US" smtClean="0"/>
-              <a:t>12/26/20</a:t>
+              <a:t>12/23/21</a:t>
             </a:fld>
             <a:endParaRPr lang="en-US"/>
           </a:p>
@@ -3109,7 +3109,7 @@
           <a:p>
             <a:fld id="{04834100-F070-AD4C-B025-37E5903F439D}" type="datetimeFigureOut">
               <a:rPr lang="en-US" smtClean="0"/>
-              <a:t>12/26/20</a:t>
+              <a:t>12/23/21</a:t>
             </a:fld>
             <a:endParaRPr lang="en-US"/>
           </a:p>
@@ -3350,7 +3350,7 @@
           <a:p>
             <a:fld id="{04834100-F070-AD4C-B025-37E5903F439D}" type="datetimeFigureOut">
               <a:rPr lang="en-US" smtClean="0"/>
-              <a:t>12/26/20</a:t>
+              <a:t>12/23/21</a:t>
             </a:fld>
             <a:endParaRPr lang="en-US"/>
           </a:p>
@@ -3969,8 +3969,8 @@
         </p:nvSpPr>
         <p:spPr>
           <a:xfrm>
-            <a:off x="1975864" y="541455"/>
-            <a:ext cx="3399137" cy="646331"/>
+            <a:off x="1942821" y="422082"/>
+            <a:ext cx="3453805" cy="923330"/>
           </a:xfrm>
           <a:prstGeom prst="rect">
             <a:avLst/>
@@ -3978,7 +3978,7 @@
           <a:noFill/>
         </p:spPr>
         <p:txBody>
-          <a:bodyPr wrap="none" rtlCol="0">
+          <a:bodyPr wrap="square" rtlCol="0">
             <a:spAutoFit/>
           </a:bodyPr>
           <a:lstStyle/>
@@ -3986,13 +3986,8 @@
             <a:pPr algn="ctr"/>
             <a:r>
               <a:rPr lang="en-US" dirty="0"/>
-              <a:t>States with at most </a:t>
-            </a:r>
-            <a:r>
-              <a:rPr lang="en-US"/>
-              <a:t>one thread</a:t>
-            </a:r>
-            <a:endParaRPr lang="en-US" dirty="0"/>
+              <a:t>Exclusive states: states with at most one thread</a:t>
+            </a:r>
           </a:p>
           <a:p>
             <a:pPr algn="ctr"/>
@@ -4261,8 +4256,8 @@
         </p:nvSpPr>
         <p:spPr>
           <a:xfrm>
-            <a:off x="8168809" y="4008070"/>
-            <a:ext cx="2403479" cy="923330"/>
+            <a:off x="7763793" y="3690648"/>
+            <a:ext cx="2873829" cy="1200329"/>
           </a:xfrm>
           <a:prstGeom prst="rect">
             <a:avLst/>
@@ -4270,7 +4265,7 @@
           <a:noFill/>
         </p:spPr>
         <p:txBody>
-          <a:bodyPr wrap="none" rtlCol="0">
+          <a:bodyPr wrap="square" rtlCol="0">
             <a:spAutoFit/>
           </a:bodyPr>
           <a:lstStyle/>
@@ -4278,7 +4273,7 @@
             <a:pPr algn="ctr"/>
             <a:r>
               <a:rPr lang="en-US" dirty="0"/>
-              <a:t>States with two threads</a:t>
+              <a:t>Non-exclusive states: states with two threads</a:t>
             </a:r>
           </a:p>
           <a:p>
